--- a/Arrays.pptx
+++ b/Arrays.pptx
@@ -4947,12 +4947,12 @@
               </a:lnSpc>
             </a:pPr>
             <a:r>
-              <a:rPr lang="en-US" sz="5400" b="1" dirty="0">
+              <a:rPr lang="en-US" sz="5400" b="1">
                 <a:latin typeface="Arial"/>
               </a:rPr>
               <a:t>Arrays – The Problem</a:t>
             </a:r>
-            <a:endParaRPr dirty="0"/>
+            <a:endParaRPr/>
           </a:p>
         </p:txBody>
       </p:sp>
@@ -4979,7 +4979,7 @@
           <a:bodyPr lIns="0" tIns="0" rIns="0" bIns="0"/>
           <a:lstStyle/>
           <a:p>
-            <a:pPr marL="514350" indent="-514350">
+            <a:pPr marL="457200" indent="-457200">
               <a:lnSpc>
                 <a:spcPct val="100000"/>
               </a:lnSpc>
@@ -4996,7 +4996,7 @@
             <a:endParaRPr dirty="0"/>
           </a:p>
           <a:p>
-            <a:pPr marL="514350" indent="-514350">
+            <a:pPr marL="457200" indent="-457200">
               <a:lnSpc>
                 <a:spcPct val="100000"/>
               </a:lnSpc>
@@ -5013,7 +5013,7 @@
             <a:endParaRPr dirty="0"/>
           </a:p>
           <a:p>
-            <a:pPr marL="914400" lvl="1" indent="-457200">
+            <a:pPr marL="800100" lvl="1" indent="-342900">
               <a:lnSpc>
                 <a:spcPct val="100000"/>
               </a:lnSpc>
@@ -5030,7 +5030,7 @@
             <a:endParaRPr dirty="0"/>
           </a:p>
           <a:p>
-            <a:pPr marL="914400" lvl="1" indent="-457200">
+            <a:pPr marL="800100" lvl="1" indent="-342900">
               <a:lnSpc>
                 <a:spcPct val="100000"/>
               </a:lnSpc>
@@ -5047,7 +5047,7 @@
             <a:endParaRPr dirty="0"/>
           </a:p>
           <a:p>
-            <a:pPr marL="914400" lvl="1" indent="-457200">
+            <a:pPr marL="800100" lvl="1" indent="-342900">
               <a:lnSpc>
                 <a:spcPct val="100000"/>
               </a:lnSpc>
@@ -5949,7 +5949,7 @@
               <a:rPr lang="en-US" sz="2600" dirty="0">
                 <a:latin typeface="Arial"/>
               </a:rPr>
-              <a:t>URL: guthub.com/</a:t>
+              <a:t>URL: github.com/</a:t>
             </a:r>
             <a:r>
               <a:rPr lang="en-US" sz="2600" dirty="0" err="1">
@@ -6326,16 +6326,10 @@
               <a:buChar char="v"/>
             </a:pPr>
             <a:r>
-              <a:rPr lang="en-US" sz="2600" dirty="0" err="1">
-                <a:latin typeface="Arial"/>
-              </a:rPr>
-              <a:t>Repetive</a:t>
-            </a:r>
-            <a:r>
               <a:rPr lang="en-US" sz="2600" dirty="0">
                 <a:latin typeface="Arial"/>
               </a:rPr>
-              <a:t> code may operate on an Array in a loop</a:t>
+              <a:t>Repetitive code may operate on an Array in a loop</a:t>
             </a:r>
             <a:endParaRPr dirty="0"/>
           </a:p>
@@ -6666,7 +6660,7 @@
         <p:spPr>
           <a:xfrm>
             <a:off x="1828800" y="1087920"/>
-            <a:ext cx="6551640" cy="2478240"/>
+            <a:ext cx="6551640" cy="2743560"/>
           </a:xfrm>
           <a:prstGeom prst="rect">
             <a:avLst/>
@@ -6698,7 +6692,7 @@
               <a:rPr lang="en-US">
                 <a:latin typeface="Courier 10 Pitch"/>
               </a:rPr>
-              <a:t>		for (j = i; j &lt; myArray.length; j++) {</a:t>
+              <a:t>		for (j = i + 1; j &lt; myArray.length; j++) {</a:t>
             </a:r>
             <a:endParaRPr/>
           </a:p>
@@ -6766,8 +6760,8 @@
         </p:nvSpPr>
         <p:spPr>
           <a:xfrm>
-            <a:off x="239712" y="4114800"/>
-            <a:ext cx="9601200" cy="1097280"/>
+            <a:off x="548640" y="4114800"/>
+            <a:ext cx="8961120" cy="1097280"/>
           </a:xfrm>
           <a:prstGeom prst="rect">
             <a:avLst/>
@@ -6778,60 +6772,42 @@
           <a:lstStyle/>
           <a:p>
             <a:r>
-              <a:rPr lang="en-US" dirty="0">
+              <a:rPr lang="en-US">
                 <a:latin typeface="Arial"/>
               </a:rPr>
               <a:t>There is a better way: </a:t>
             </a:r>
             <a:r>
-              <a:rPr lang="en-US" dirty="0" err="1">
+              <a:rPr lang="en-US">
                 <a:latin typeface="Courier 10 Pitch"/>
               </a:rPr>
-              <a:t>myArray.sort</a:t>
-            </a:r>
-            <a:r>
-              <a:rPr lang="en-US" dirty="0">
-                <a:latin typeface="Courier 10 Pitch"/>
-              </a:rPr>
-              <a:t>()</a:t>
-            </a:r>
-            <a:r>
-              <a:rPr lang="en-US" dirty="0">
+              <a:t>myArray.sort()</a:t>
+            </a:r>
+            <a:r>
+              <a:rPr lang="en-US">
                 <a:latin typeface="Arial"/>
               </a:rPr>
               <a:t>.</a:t>
             </a:r>
-            <a:endParaRPr dirty="0"/>
-          </a:p>
-          <a:p>
-            <a:r>
-              <a:rPr lang="en-US" dirty="0">
+            <a:endParaRPr/>
+          </a:p>
+          <a:p>
+            <a:r>
+              <a:rPr lang="en-US">
                 <a:latin typeface="Arial"/>
               </a:rPr>
               <a:t>	Arrays are objects, and sorting is common functionality.</a:t>
             </a:r>
-            <a:endParaRPr dirty="0"/>
-          </a:p>
-          <a:p>
-            <a:r>
-              <a:rPr lang="en-US" dirty="0">
-                <a:latin typeface="Arial"/>
-              </a:rPr>
-              <a:t>		This only serves to illustrate working with arrays; </a:t>
-            </a:r>
-            <a:r>
-              <a:rPr lang="en-US" dirty="0" err="1">
-                <a:latin typeface="Arial"/>
-              </a:rPr>
-              <a:t>BubbleSort</a:t>
-            </a:r>
-            <a:r>
-              <a:rPr lang="en-US" dirty="0">
-                <a:latin typeface="Arial"/>
-              </a:rPr>
-              <a:t> is not optimal.</a:t>
-            </a:r>
-            <a:endParaRPr dirty="0"/>
+            <a:endParaRPr/>
+          </a:p>
+          <a:p>
+            <a:r>
+              <a:rPr lang="en-US">
+                <a:latin typeface="Arial"/>
+              </a:rPr>
+              <a:t>		This only serves to illustrate working with arrays; BubbleSort is not optimal.</a:t>
+            </a:r>
+            <a:endParaRPr/>
           </a:p>
         </p:txBody>
       </p:sp>
